--- a/docs/MQTT Explorer.pptx
+++ b/docs/MQTT Explorer.pptx
@@ -3990,13 +3990,13 @@
   <p:clrMapOvr>
     <a:masterClrMapping/>
   </p:clrMapOvr>
-  <mc:AlternateContent xmlns:mc="http://schemas.openxmlformats.org/markup-compatibility/2006">
-    <mc:Choice xmlns:p159="http://schemas.microsoft.com/office/powerpoint/2015/09/main" Requires="p159">
+  <mc:AlternateContent xmlns:mc="http://schemas.openxmlformats.org/markup-compatibility/2006" xmlns:p159="http://schemas.microsoft.com/office/powerpoint/2015/09/main">
+    <mc:Choice Requires="p159">
       <p:transition xmlns:p14="http://schemas.microsoft.com/office/powerpoint/2010/main" spd="slow" p14:dur="2000">
         <p159:morph option="byObject"/>
       </p:transition>
     </mc:Choice>
-    <mc:Fallback>
+    <mc:Fallback xmlns="">
       <p:transition spd="slow">
         <p:fade/>
       </p:transition>
@@ -4629,13 +4629,13 @@
   <p:clrMapOvr>
     <a:masterClrMapping/>
   </p:clrMapOvr>
-  <mc:AlternateContent xmlns:mc="http://schemas.openxmlformats.org/markup-compatibility/2006">
-    <mc:Choice xmlns:p159="http://schemas.microsoft.com/office/powerpoint/2015/09/main" Requires="p159">
+  <mc:AlternateContent xmlns:mc="http://schemas.openxmlformats.org/markup-compatibility/2006" xmlns:p159="http://schemas.microsoft.com/office/powerpoint/2015/09/main">
+    <mc:Choice Requires="p159">
       <p:transition xmlns:p14="http://schemas.microsoft.com/office/powerpoint/2010/main" spd="slow" p14:dur="2000">
         <p159:morph option="byObject"/>
       </p:transition>
     </mc:Choice>
-    <mc:Fallback>
+    <mc:Fallback xmlns="">
       <p:transition spd="slow">
         <p:fade/>
       </p:transition>
@@ -5268,13 +5268,13 @@
   <p:clrMapOvr>
     <a:masterClrMapping/>
   </p:clrMapOvr>
-  <mc:AlternateContent xmlns:mc="http://schemas.openxmlformats.org/markup-compatibility/2006">
-    <mc:Choice xmlns:p159="http://schemas.microsoft.com/office/powerpoint/2015/09/main" Requires="p159">
+  <mc:AlternateContent xmlns:mc="http://schemas.openxmlformats.org/markup-compatibility/2006" xmlns:p159="http://schemas.microsoft.com/office/powerpoint/2015/09/main">
+    <mc:Choice Requires="p159">
       <p:transition xmlns:p14="http://schemas.microsoft.com/office/powerpoint/2010/main" spd="slow" p14:dur="2000">
         <p159:morph option="byObject"/>
       </p:transition>
     </mc:Choice>
-    <mc:Fallback>
+    <mc:Fallback xmlns="">
       <p:transition spd="slow">
         <p:fade/>
       </p:transition>
@@ -7501,6 +7501,40 @@
           </a:p>
         </p:txBody>
       </p:sp>
+      <p:pic>
+        <p:nvPicPr>
+          <p:cNvPr id="5" name="Grafik 4">
+            <a:extLst>
+              <a:ext uri="{FF2B5EF4-FFF2-40B4-BE49-F238E27FC236}">
+                <a16:creationId xmlns:a16="http://schemas.microsoft.com/office/drawing/2014/main" id="{D712B48C-D81C-7811-3175-B059CE00233F}"/>
+              </a:ext>
+            </a:extLst>
+          </p:cNvPr>
+          <p:cNvPicPr>
+            <a:picLocks noChangeAspect="1"/>
+          </p:cNvPicPr>
+          <p:nvPr/>
+        </p:nvPicPr>
+        <p:blipFill>
+          <a:blip r:embed="rId2">
+            <a:extLst>
+              <a:ext uri="{28A0092B-C50C-407E-A947-70E740481C1C}">
+                <a14:useLocalDpi xmlns:a14="http://schemas.microsoft.com/office/drawing/2010/main" val="0"/>
+              </a:ext>
+            </a:extLst>
+          </a:blip>
+          <a:stretch/>
+        </p:blipFill>
+        <p:spPr>
+          <a:xfrm>
+            <a:off x="1296558" y="2117163"/>
+            <a:ext cx="5604636" cy="2606155"/>
+          </a:xfrm>
+          <a:prstGeom prst="rect">
+            <a:avLst/>
+          </a:prstGeom>
+        </p:spPr>
+      </p:pic>
       <p:sp>
         <p:nvSpPr>
           <p:cNvPr id="33" name="Freeform: Shape 32">
@@ -7808,40 +7842,6 @@
           </a:p>
         </p:txBody>
       </p:sp>
-      <p:pic>
-        <p:nvPicPr>
-          <p:cNvPr id="5" name="Grafik 4">
-            <a:extLst>
-              <a:ext uri="{FF2B5EF4-FFF2-40B4-BE49-F238E27FC236}">
-                <a16:creationId xmlns:a16="http://schemas.microsoft.com/office/drawing/2014/main" id="{D712B48C-D81C-7811-3175-B059CE00233F}"/>
-              </a:ext>
-            </a:extLst>
-          </p:cNvPr>
-          <p:cNvPicPr>
-            <a:picLocks noChangeAspect="1"/>
-          </p:cNvPicPr>
-          <p:nvPr/>
-        </p:nvPicPr>
-        <p:blipFill>
-          <a:blip r:embed="rId2">
-            <a:extLst>
-              <a:ext uri="{28A0092B-C50C-407E-A947-70E740481C1C}">
-                <a14:useLocalDpi xmlns:a14="http://schemas.microsoft.com/office/drawing/2010/main" val="0"/>
-              </a:ext>
-            </a:extLst>
-          </a:blip>
-          <a:stretch/>
-        </p:blipFill>
-        <p:spPr>
-          <a:xfrm>
-            <a:off x="1296558" y="2117163"/>
-            <a:ext cx="5604636" cy="2606155"/>
-          </a:xfrm>
-          <a:prstGeom prst="rect">
-            <a:avLst/>
-          </a:prstGeom>
-        </p:spPr>
-      </p:pic>
     </p:spTree>
     <p:extLst>
       <p:ext uri="{BB962C8B-B14F-4D97-AF65-F5344CB8AC3E}">
@@ -7943,6 +7943,44 @@
           </a:p>
         </p:txBody>
       </p:sp>
+      <p:pic>
+        <p:nvPicPr>
+          <p:cNvPr id="5" name="Grafik 4">
+            <a:extLst>
+              <a:ext uri="{FF2B5EF4-FFF2-40B4-BE49-F238E27FC236}">
+                <a16:creationId xmlns:a16="http://schemas.microsoft.com/office/drawing/2014/main" id="{D712B48C-D81C-7811-3175-B059CE00233F}"/>
+              </a:ext>
+            </a:extLst>
+          </p:cNvPr>
+          <p:cNvPicPr>
+            <a:picLocks noChangeAspect="1"/>
+          </p:cNvPicPr>
+          <p:nvPr/>
+        </p:nvPicPr>
+        <p:blipFill rotWithShape="1">
+          <a:blip r:embed="rId2">
+            <a:extLst>
+              <a:ext uri="{28A0092B-C50C-407E-A947-70E740481C1C}">
+                <a14:useLocalDpi xmlns:a14="http://schemas.microsoft.com/office/drawing/2010/main" val="0"/>
+              </a:ext>
+            </a:extLst>
+          </a:blip>
+          <a:srcRect l="747" r="27292"/>
+          <a:stretch/>
+        </p:blipFill>
+        <p:spPr>
+          <a:xfrm>
+            <a:off x="2119700" y="643467"/>
+            <a:ext cx="8621436" cy="5571065"/>
+          </a:xfrm>
+          <a:prstGeom prst="rect">
+            <a:avLst/>
+          </a:prstGeom>
+          <a:ln>
+            <a:noFill/>
+          </a:ln>
+        </p:spPr>
+      </p:pic>
       <p:grpSp>
         <p:nvGrpSpPr>
           <p:cNvPr id="36" name="Group 30">
@@ -8217,44 +8255,6 @@
           </a:p>
         </p:txBody>
       </p:sp>
-      <p:pic>
-        <p:nvPicPr>
-          <p:cNvPr id="5" name="Grafik 4">
-            <a:extLst>
-              <a:ext uri="{FF2B5EF4-FFF2-40B4-BE49-F238E27FC236}">
-                <a16:creationId xmlns:a16="http://schemas.microsoft.com/office/drawing/2014/main" id="{D712B48C-D81C-7811-3175-B059CE00233F}"/>
-              </a:ext>
-            </a:extLst>
-          </p:cNvPr>
-          <p:cNvPicPr>
-            <a:picLocks noChangeAspect="1"/>
-          </p:cNvPicPr>
-          <p:nvPr/>
-        </p:nvPicPr>
-        <p:blipFill rotWithShape="1">
-          <a:blip r:embed="rId2">
-            <a:extLst>
-              <a:ext uri="{28A0092B-C50C-407E-A947-70E740481C1C}">
-                <a14:useLocalDpi xmlns:a14="http://schemas.microsoft.com/office/drawing/2010/main" val="0"/>
-              </a:ext>
-            </a:extLst>
-          </a:blip>
-          <a:srcRect l="747" r="27292"/>
-          <a:stretch/>
-        </p:blipFill>
-        <p:spPr>
-          <a:xfrm>
-            <a:off x="2119700" y="643467"/>
-            <a:ext cx="8621436" cy="5571065"/>
-          </a:xfrm>
-          <a:prstGeom prst="rect">
-            <a:avLst/>
-          </a:prstGeom>
-          <a:ln>
-            <a:noFill/>
-          </a:ln>
-        </p:spPr>
-      </p:pic>
       <p:sp>
         <p:nvSpPr>
           <p:cNvPr id="37" name="Isosceles Triangle 36">
@@ -8435,6 +8435,44 @@
           </a:p>
         </p:txBody>
       </p:sp>
+      <p:pic>
+        <p:nvPicPr>
+          <p:cNvPr id="5" name="Grafik 4">
+            <a:extLst>
+              <a:ext uri="{FF2B5EF4-FFF2-40B4-BE49-F238E27FC236}">
+                <a16:creationId xmlns:a16="http://schemas.microsoft.com/office/drawing/2014/main" id="{D712B48C-D81C-7811-3175-B059CE00233F}"/>
+              </a:ext>
+            </a:extLst>
+          </p:cNvPr>
+          <p:cNvPicPr>
+            <a:picLocks noChangeAspect="1"/>
+          </p:cNvPicPr>
+          <p:nvPr/>
+        </p:nvPicPr>
+        <p:blipFill rotWithShape="1">
+          <a:blip r:embed="rId2">
+            <a:extLst>
+              <a:ext uri="{28A0092B-C50C-407E-A947-70E740481C1C}">
+                <a14:useLocalDpi xmlns:a14="http://schemas.microsoft.com/office/drawing/2010/main" val="0"/>
+              </a:ext>
+            </a:extLst>
+          </a:blip>
+          <a:srcRect l="35552" r="-7513"/>
+          <a:stretch/>
+        </p:blipFill>
+        <p:spPr>
+          <a:xfrm>
+            <a:off x="2603535" y="643467"/>
+            <a:ext cx="8621436" cy="5571065"/>
+          </a:xfrm>
+          <a:prstGeom prst="rect">
+            <a:avLst/>
+          </a:prstGeom>
+          <a:ln>
+            <a:noFill/>
+          </a:ln>
+        </p:spPr>
+      </p:pic>
       <p:grpSp>
         <p:nvGrpSpPr>
           <p:cNvPr id="36" name="Group 30">
@@ -8644,44 +8682,6 @@
           </p:txBody>
         </p:sp>
       </p:grpSp>
-      <p:pic>
-        <p:nvPicPr>
-          <p:cNvPr id="5" name="Grafik 4">
-            <a:extLst>
-              <a:ext uri="{FF2B5EF4-FFF2-40B4-BE49-F238E27FC236}">
-                <a16:creationId xmlns:a16="http://schemas.microsoft.com/office/drawing/2014/main" id="{D712B48C-D81C-7811-3175-B059CE00233F}"/>
-              </a:ext>
-            </a:extLst>
-          </p:cNvPr>
-          <p:cNvPicPr>
-            <a:picLocks noChangeAspect="1"/>
-          </p:cNvPicPr>
-          <p:nvPr/>
-        </p:nvPicPr>
-        <p:blipFill rotWithShape="1">
-          <a:blip r:embed="rId2">
-            <a:extLst>
-              <a:ext uri="{28A0092B-C50C-407E-A947-70E740481C1C}">
-                <a14:useLocalDpi xmlns:a14="http://schemas.microsoft.com/office/drawing/2010/main" val="0"/>
-              </a:ext>
-            </a:extLst>
-          </a:blip>
-          <a:srcRect l="35552" r="-7513"/>
-          <a:stretch/>
-        </p:blipFill>
-        <p:spPr>
-          <a:xfrm>
-            <a:off x="2603535" y="643467"/>
-            <a:ext cx="8621436" cy="5571065"/>
-          </a:xfrm>
-          <a:prstGeom prst="rect">
-            <a:avLst/>
-          </a:prstGeom>
-          <a:ln>
-            <a:noFill/>
-          </a:ln>
-        </p:spPr>
-      </p:pic>
       <p:sp>
         <p:nvSpPr>
           <p:cNvPr id="35" name="Rectangle 34">
@@ -8824,13 +8824,13 @@
   <p:clrMapOvr>
     <a:masterClrMapping/>
   </p:clrMapOvr>
-  <mc:AlternateContent xmlns:mc="http://schemas.openxmlformats.org/markup-compatibility/2006">
-    <mc:Choice xmlns:p159="http://schemas.microsoft.com/office/powerpoint/2015/09/main" Requires="p159">
+  <mc:AlternateContent xmlns:mc="http://schemas.openxmlformats.org/markup-compatibility/2006" xmlns:p159="http://schemas.microsoft.com/office/powerpoint/2015/09/main">
+    <mc:Choice Requires="p159">
       <p:transition xmlns:p14="http://schemas.microsoft.com/office/powerpoint/2010/main" spd="slow" p14:dur="2000">
         <p159:morph option="byObject"/>
       </p:transition>
     </mc:Choice>
-    <mc:Fallback>
+    <mc:Fallback xmlns="">
       <p:transition spd="slow">
         <p:fade/>
       </p:transition>
@@ -9316,13 +9316,13 @@
   <p:clrMapOvr>
     <a:masterClrMapping/>
   </p:clrMapOvr>
-  <mc:AlternateContent xmlns:mc="http://schemas.openxmlformats.org/markup-compatibility/2006">
-    <mc:Choice xmlns:p159="http://schemas.microsoft.com/office/powerpoint/2015/09/main" Requires="p159">
+  <mc:AlternateContent xmlns:mc="http://schemas.openxmlformats.org/markup-compatibility/2006" xmlns:p159="http://schemas.microsoft.com/office/powerpoint/2015/09/main">
+    <mc:Choice Requires="p159">
       <p:transition xmlns:p14="http://schemas.microsoft.com/office/powerpoint/2010/main" spd="slow" p14:dur="2000">
         <p159:morph option="byObject"/>
       </p:transition>
     </mc:Choice>
-    <mc:Fallback>
+    <mc:Fallback xmlns="">
       <p:transition spd="slow">
         <p:fade/>
       </p:transition>
@@ -10258,13 +10258,13 @@
   <p:clrMapOvr>
     <a:masterClrMapping/>
   </p:clrMapOvr>
-  <mc:AlternateContent xmlns:mc="http://schemas.openxmlformats.org/markup-compatibility/2006">
-    <mc:Choice xmlns:p159="http://schemas.microsoft.com/office/powerpoint/2015/09/main" Requires="p159">
+  <mc:AlternateContent xmlns:mc="http://schemas.openxmlformats.org/markup-compatibility/2006" xmlns:p159="http://schemas.microsoft.com/office/powerpoint/2015/09/main">
+    <mc:Choice Requires="p159">
       <p:transition xmlns:p14="http://schemas.microsoft.com/office/powerpoint/2010/main" spd="slow" p14:dur="2000">
         <p159:morph option="byObject"/>
       </p:transition>
     </mc:Choice>
-    <mc:Fallback>
+    <mc:Fallback xmlns="">
       <p:transition spd="slow">
         <p:fade/>
       </p:transition>
